--- a/docs/diagrams/SDforAssignTask.pptx
+++ b/docs/diagrams/SDforAssignTask.pptx
@@ -104,6 +104,11 @@
       </a:defRPr>
     </a:lvl9pPr>
   </p:defaultTextStyle>
+  <p:extLst>
+    <p:ext uri="{EFAFB233-063F-42B5-8137-9DF3F51BA10A}">
+      <p15:sldGuideLst xmlns:p15="http://schemas.microsoft.com/office/powerpoint/2012/main"/>
+    </p:ext>
+  </p:extLst>
 </p:presentation>
 </file>
 
@@ -256,7 +261,7 @@
           <a:p>
             <a:fld id="{4124C9F6-BD89-41F0-8BEE-5A8DF7967C43}" type="datetimeFigureOut">
               <a:rPr lang="en-IN" smtClean="0"/>
-              <a:t>10-04-2018</a:t>
+              <a:t>15-04-2018</a:t>
             </a:fld>
             <a:endParaRPr lang="en-IN"/>
           </a:p>
@@ -456,7 +461,7 @@
           <a:p>
             <a:fld id="{4124C9F6-BD89-41F0-8BEE-5A8DF7967C43}" type="datetimeFigureOut">
               <a:rPr lang="en-IN" smtClean="0"/>
-              <a:t>10-04-2018</a:t>
+              <a:t>15-04-2018</a:t>
             </a:fld>
             <a:endParaRPr lang="en-IN"/>
           </a:p>
@@ -666,7 +671,7 @@
           <a:p>
             <a:fld id="{4124C9F6-BD89-41F0-8BEE-5A8DF7967C43}" type="datetimeFigureOut">
               <a:rPr lang="en-IN" smtClean="0"/>
-              <a:t>10-04-2018</a:t>
+              <a:t>15-04-2018</a:t>
             </a:fld>
             <a:endParaRPr lang="en-IN"/>
           </a:p>
@@ -866,7 +871,7 @@
           <a:p>
             <a:fld id="{4124C9F6-BD89-41F0-8BEE-5A8DF7967C43}" type="datetimeFigureOut">
               <a:rPr lang="en-IN" smtClean="0"/>
-              <a:t>10-04-2018</a:t>
+              <a:t>15-04-2018</a:t>
             </a:fld>
             <a:endParaRPr lang="en-IN"/>
           </a:p>
@@ -1142,7 +1147,7 @@
           <a:p>
             <a:fld id="{4124C9F6-BD89-41F0-8BEE-5A8DF7967C43}" type="datetimeFigureOut">
               <a:rPr lang="en-IN" smtClean="0"/>
-              <a:t>10-04-2018</a:t>
+              <a:t>15-04-2018</a:t>
             </a:fld>
             <a:endParaRPr lang="en-IN"/>
           </a:p>
@@ -1410,7 +1415,7 @@
           <a:p>
             <a:fld id="{4124C9F6-BD89-41F0-8BEE-5A8DF7967C43}" type="datetimeFigureOut">
               <a:rPr lang="en-IN" smtClean="0"/>
-              <a:t>10-04-2018</a:t>
+              <a:t>15-04-2018</a:t>
             </a:fld>
             <a:endParaRPr lang="en-IN"/>
           </a:p>
@@ -1825,7 +1830,7 @@
           <a:p>
             <a:fld id="{4124C9F6-BD89-41F0-8BEE-5A8DF7967C43}" type="datetimeFigureOut">
               <a:rPr lang="en-IN" smtClean="0"/>
-              <a:t>10-04-2018</a:t>
+              <a:t>15-04-2018</a:t>
             </a:fld>
             <a:endParaRPr lang="en-IN"/>
           </a:p>
@@ -1967,7 +1972,7 @@
           <a:p>
             <a:fld id="{4124C9F6-BD89-41F0-8BEE-5A8DF7967C43}" type="datetimeFigureOut">
               <a:rPr lang="en-IN" smtClean="0"/>
-              <a:t>10-04-2018</a:t>
+              <a:t>15-04-2018</a:t>
             </a:fld>
             <a:endParaRPr lang="en-IN"/>
           </a:p>
@@ -2080,7 +2085,7 @@
           <a:p>
             <a:fld id="{4124C9F6-BD89-41F0-8BEE-5A8DF7967C43}" type="datetimeFigureOut">
               <a:rPr lang="en-IN" smtClean="0"/>
-              <a:t>10-04-2018</a:t>
+              <a:t>15-04-2018</a:t>
             </a:fld>
             <a:endParaRPr lang="en-IN"/>
           </a:p>
@@ -2393,7 +2398,7 @@
           <a:p>
             <a:fld id="{4124C9F6-BD89-41F0-8BEE-5A8DF7967C43}" type="datetimeFigureOut">
               <a:rPr lang="en-IN" smtClean="0"/>
-              <a:t>10-04-2018</a:t>
+              <a:t>15-04-2018</a:t>
             </a:fld>
             <a:endParaRPr lang="en-IN"/>
           </a:p>
@@ -2682,7 +2687,7 @@
           <a:p>
             <a:fld id="{4124C9F6-BD89-41F0-8BEE-5A8DF7967C43}" type="datetimeFigureOut">
               <a:rPr lang="en-IN" smtClean="0"/>
-              <a:t>10-04-2018</a:t>
+              <a:t>15-04-2018</a:t>
             </a:fld>
             <a:endParaRPr lang="en-IN"/>
           </a:p>
@@ -2925,7 +2930,7 @@
           <a:p>
             <a:fld id="{4124C9F6-BD89-41F0-8BEE-5A8DF7967C43}" type="datetimeFigureOut">
               <a:rPr lang="en-IN" smtClean="0"/>
-              <a:t>10-04-2018</a:t>
+              <a:t>15-04-2018</a:t>
             </a:fld>
             <a:endParaRPr lang="en-IN"/>
           </a:p>
@@ -4350,53 +4355,6 @@
           </a:p>
         </p:txBody>
       </p:sp>
-      <p:sp>
-        <p:nvSpPr>
-          <p:cNvPr id="24" name="TextBox 23">
-            <a:extLst>
-              <a:ext uri="{FF2B5EF4-FFF2-40B4-BE49-F238E27FC236}">
-                <a16:creationId xmlns:a16="http://schemas.microsoft.com/office/drawing/2014/main" id="{34B7CBB0-E24A-4563-BF03-B92E0CC954D9}"/>
-              </a:ext>
-            </a:extLst>
-          </p:cNvPr>
-          <p:cNvSpPr txBox="1"/>
-          <p:nvPr/>
-        </p:nvSpPr>
-        <p:spPr>
-          <a:xfrm>
-            <a:off x="6372969" y="1687656"/>
-            <a:ext cx="2438400" cy="215444"/>
-          </a:xfrm>
-          <a:prstGeom prst="rect">
-            <a:avLst/>
-          </a:prstGeom>
-          <a:noFill/>
-        </p:spPr>
-        <p:txBody>
-          <a:bodyPr wrap="square" lIns="0" tIns="0" rIns="0" bIns="0" rtlCol="0">
-            <a:spAutoFit/>
-          </a:bodyPr>
-          <a:lstStyle/>
-          <a:p>
-            <a:r>
-              <a:rPr lang="en-US" sz="1400" dirty="0" err="1">
-                <a:solidFill>
-                  <a:srgbClr val="DA7B1C"/>
-                </a:solidFill>
-              </a:rPr>
-              <a:t>indicateClubBookChanged</a:t>
-            </a:r>
-            <a:r>
-              <a:rPr lang="en-US" sz="1400" dirty="0">
-                <a:solidFill>
-                  <a:srgbClr val="DA7B1C"/>
-                </a:solidFill>
-              </a:rPr>
-              <a:t>()</a:t>
-            </a:r>
-          </a:p>
-        </p:txBody>
-      </p:sp>
       <p:cxnSp>
         <p:nvCxnSpPr>
           <p:cNvPr id="25" name="Straight Arrow Connector 24">
@@ -4529,75 +4487,12 @@
           </a:fontRef>
         </p:style>
       </p:cxnSp>
-      <p:sp>
-        <p:nvSpPr>
-          <p:cNvPr id="28" name="Rectangle 62">
-            <a:extLst>
-              <a:ext uri="{FF2B5EF4-FFF2-40B4-BE49-F238E27FC236}">
-                <a16:creationId xmlns:a16="http://schemas.microsoft.com/office/drawing/2014/main" id="{9CE58967-CD57-4417-BA04-72693F3CBA66}"/>
-              </a:ext>
-            </a:extLst>
-          </p:cNvPr>
-          <p:cNvSpPr/>
-          <p:nvPr/>
-        </p:nvSpPr>
-        <p:spPr>
-          <a:xfrm>
-            <a:off x="7696200" y="591251"/>
-            <a:ext cx="1371600" cy="346760"/>
-          </a:xfrm>
-          <a:prstGeom prst="rect">
-            <a:avLst/>
-          </a:prstGeom>
-          <a:solidFill>
-            <a:srgbClr val="DA7B1C"/>
-          </a:solidFill>
-          <a:ln w="19050">
-            <a:noFill/>
-          </a:ln>
-          <a:effectLst/>
-        </p:spPr>
-        <p:style>
-          <a:lnRef idx="1">
-            <a:schemeClr val="accent2"/>
-          </a:lnRef>
-          <a:fillRef idx="2">
-            <a:schemeClr val="accent2"/>
-          </a:fillRef>
-          <a:effectRef idx="1">
-            <a:schemeClr val="accent2"/>
-          </a:effectRef>
-          <a:fontRef idx="minor">
-            <a:schemeClr val="dk1"/>
-          </a:fontRef>
-        </p:style>
-        <p:txBody>
-          <a:bodyPr rtlCol="0" anchor="ctr"/>
-          <a:lstStyle/>
-          <a:p>
-            <a:pPr algn="ctr"/>
-            <a:r>
-              <a:rPr lang="en-US" sz="1600" dirty="0">
-                <a:solidFill>
-                  <a:schemeClr val="bg1"/>
-                </a:solidFill>
-              </a:rPr>
-              <a:t>:Storage</a:t>
-            </a:r>
-            <a:endParaRPr lang="en-SG" sz="1600" dirty="0">
-              <a:solidFill>
-                <a:schemeClr val="bg1"/>
-              </a:solidFill>
-            </a:endParaRPr>
-          </a:p>
-        </p:txBody>
-      </p:sp>
       <p:cxnSp>
         <p:nvCxnSpPr>
-          <p:cNvPr id="29" name="Straight Connector 28">
-            <a:extLst>
-              <a:ext uri="{FF2B5EF4-FFF2-40B4-BE49-F238E27FC236}">
-                <a16:creationId xmlns:a16="http://schemas.microsoft.com/office/drawing/2014/main" id="{AA0A87FE-DAF3-41CA-A233-E7D02B677D58}"/>
+          <p:cNvPr id="33" name="Straight Connector 32">
+            <a:extLst>
+              <a:ext uri="{FF2B5EF4-FFF2-40B4-BE49-F238E27FC236}">
+                <a16:creationId xmlns:a16="http://schemas.microsoft.com/office/drawing/2014/main" id="{580B4253-8C59-491F-A342-5EE57C7002A5}"/>
               </a:ext>
             </a:extLst>
           </p:cNvPr>
@@ -4605,16 +4500,16 @@
           <p:nvPr/>
         </p:nvCxnSpPr>
         <p:spPr>
-          <a:xfrm>
-            <a:off x="8616802" y="944305"/>
-            <a:ext cx="0" cy="1723059"/>
+          <a:xfrm flipH="1">
+            <a:off x="314394" y="1099672"/>
+            <a:ext cx="24" cy="1598671"/>
           </a:xfrm>
           <a:prstGeom prst="line">
             <a:avLst/>
           </a:prstGeom>
           <a:ln w="19050">
             <a:solidFill>
-              <a:srgbClr val="DA7B1C"/>
+              <a:schemeClr val="tx1"/>
             </a:solidFill>
             <a:prstDash val="sysDash"/>
           </a:ln>
@@ -4635,12 +4530,55 @@
           </a:fontRef>
         </p:style>
       </p:cxnSp>
-      <p:sp>
-        <p:nvSpPr>
-          <p:cNvPr id="30" name="Rectangle 29">
-            <a:extLst>
-              <a:ext uri="{FF2B5EF4-FFF2-40B4-BE49-F238E27FC236}">
-                <a16:creationId xmlns:a16="http://schemas.microsoft.com/office/drawing/2014/main" id="{82A81A35-6446-4208-BB77-1481FA76842B}"/>
+      <p:cxnSp>
+        <p:nvCxnSpPr>
+          <p:cNvPr id="34" name="Straight Connector 33">
+            <a:extLst>
+              <a:ext uri="{FF2B5EF4-FFF2-40B4-BE49-F238E27FC236}">
+                <a16:creationId xmlns:a16="http://schemas.microsoft.com/office/drawing/2014/main" id="{67006790-013F-4202-8652-2F22FD2D9632}"/>
+              </a:ext>
+            </a:extLst>
+          </p:cNvPr>
+          <p:cNvCxnSpPr/>
+          <p:nvPr/>
+        </p:nvCxnSpPr>
+        <p:spPr>
+          <a:xfrm>
+            <a:off x="7639137" y="980093"/>
+            <a:ext cx="0" cy="1723059"/>
+          </a:xfrm>
+          <a:prstGeom prst="line">
+            <a:avLst/>
+          </a:prstGeom>
+          <a:ln w="19050">
+            <a:solidFill>
+              <a:srgbClr val="0070C0"/>
+            </a:solidFill>
+            <a:prstDash val="sysDash"/>
+          </a:ln>
+          <a:effectLst/>
+        </p:spPr>
+        <p:style>
+          <a:lnRef idx="1">
+            <a:schemeClr val="accent1"/>
+          </a:lnRef>
+          <a:fillRef idx="2">
+            <a:schemeClr val="accent1"/>
+          </a:fillRef>
+          <a:effectRef idx="1">
+            <a:schemeClr val="accent1"/>
+          </a:effectRef>
+          <a:fontRef idx="minor">
+            <a:schemeClr val="dk1"/>
+          </a:fontRef>
+        </p:style>
+      </p:cxnSp>
+      <p:sp>
+        <p:nvSpPr>
+          <p:cNvPr id="35" name="Rectangle 34">
+            <a:extLst>
+              <a:ext uri="{FF2B5EF4-FFF2-40B4-BE49-F238E27FC236}">
+                <a16:creationId xmlns:a16="http://schemas.microsoft.com/office/drawing/2014/main" id="{31E5E6A8-1382-4030-918D-4FAF432B4123}"/>
               </a:ext>
             </a:extLst>
           </p:cNvPr>
@@ -4649,17 +4587,19 @@
         </p:nvSpPr>
         <p:spPr>
           <a:xfrm>
-            <a:off x="8544794" y="1903100"/>
-            <a:ext cx="142006" cy="234889"/>
+            <a:off x="7567129" y="1619417"/>
+            <a:ext cx="144016" cy="403557"/>
           </a:xfrm>
           <a:prstGeom prst="rect">
             <a:avLst/>
           </a:prstGeom>
           <a:solidFill>
-            <a:srgbClr val="DA7B1C"/>
+            <a:srgbClr val="298D97"/>
           </a:solidFill>
           <a:ln>
-            <a:noFill/>
+            <a:solidFill>
+              <a:srgbClr val="0070C0"/>
+            </a:solidFill>
           </a:ln>
           <a:effectLst/>
         </p:spPr>
@@ -4692,10 +4632,353 @@
       </p:sp>
       <p:cxnSp>
         <p:nvCxnSpPr>
-          <p:cNvPr id="31" name="Straight Arrow Connector 30">
-            <a:extLst>
-              <a:ext uri="{FF2B5EF4-FFF2-40B4-BE49-F238E27FC236}">
-                <a16:creationId xmlns:a16="http://schemas.microsoft.com/office/drawing/2014/main" id="{17899360-0776-4738-BDB6-5D37D9B1011A}"/>
+          <p:cNvPr id="36" name="Straight Arrow Connector 35">
+            <a:extLst>
+              <a:ext uri="{FF2B5EF4-FFF2-40B4-BE49-F238E27FC236}">
+                <a16:creationId xmlns:a16="http://schemas.microsoft.com/office/drawing/2014/main" id="{12D3A06F-CC57-48D0-A89E-B95A023F4CBB}"/>
+              </a:ext>
+            </a:extLst>
+          </p:cNvPr>
+          <p:cNvCxnSpPr>
+            <a:cxnSpLocks/>
+          </p:cNvCxnSpPr>
+          <p:nvPr/>
+        </p:nvCxnSpPr>
+        <p:spPr>
+          <a:xfrm>
+            <a:off x="5933598" y="2022974"/>
+            <a:ext cx="1596785" cy="0"/>
+          </a:xfrm>
+          <a:prstGeom prst="straightConnector1">
+            <a:avLst/>
+          </a:prstGeom>
+          <a:ln w="19050">
+            <a:solidFill>
+              <a:srgbClr val="298D97"/>
+            </a:solidFill>
+            <a:prstDash val="sysDash"/>
+            <a:headEnd type="arrow" w="med" len="med"/>
+            <a:tailEnd type="none" w="med" len="med"/>
+          </a:ln>
+        </p:spPr>
+        <p:style>
+          <a:lnRef idx="1">
+            <a:schemeClr val="accent1"/>
+          </a:lnRef>
+          <a:fillRef idx="0">
+            <a:schemeClr val="accent1"/>
+          </a:fillRef>
+          <a:effectRef idx="0">
+            <a:schemeClr val="accent1"/>
+          </a:effectRef>
+          <a:fontRef idx="minor">
+            <a:schemeClr val="tx1"/>
+          </a:fontRef>
+        </p:style>
+      </p:cxnSp>
+      <p:sp>
+        <p:nvSpPr>
+          <p:cNvPr id="37" name="TextBox 36">
+            <a:extLst>
+              <a:ext uri="{FF2B5EF4-FFF2-40B4-BE49-F238E27FC236}">
+                <a16:creationId xmlns:a16="http://schemas.microsoft.com/office/drawing/2014/main" id="{33318649-4F36-445D-A277-5C833337DB9D}"/>
+              </a:ext>
+            </a:extLst>
+          </p:cNvPr>
+          <p:cNvSpPr txBox="1"/>
+          <p:nvPr/>
+        </p:nvSpPr>
+        <p:spPr>
+          <a:xfrm>
+            <a:off x="6329933" y="1205614"/>
+            <a:ext cx="1219200" cy="430887"/>
+          </a:xfrm>
+          <a:prstGeom prst="rect">
+            <a:avLst/>
+          </a:prstGeom>
+          <a:noFill/>
+        </p:spPr>
+        <p:txBody>
+          <a:bodyPr wrap="square" lIns="0" tIns="0" rIns="0" bIns="0" rtlCol="0">
+            <a:spAutoFit/>
+          </a:bodyPr>
+          <a:lstStyle/>
+          <a:p>
+            <a:r>
+              <a:rPr lang="en-US" sz="1400" dirty="0">
+                <a:solidFill>
+                  <a:srgbClr val="298D97"/>
+                </a:solidFill>
+              </a:rPr>
+              <a:t>post(</a:t>
+            </a:r>
+            <a:r>
+              <a:rPr lang="en-US" sz="1400" dirty="0" err="1">
+                <a:solidFill>
+                  <a:srgbClr val="298D97"/>
+                </a:solidFill>
+              </a:rPr>
+              <a:t>ClubBook</a:t>
+            </a:r>
+            <a:endParaRPr lang="en-US" sz="1400" dirty="0">
+              <a:solidFill>
+                <a:srgbClr val="298D97"/>
+              </a:solidFill>
+            </a:endParaRPr>
+          </a:p>
+          <a:p>
+            <a:r>
+              <a:rPr lang="en-US" sz="1400" dirty="0" err="1">
+                <a:solidFill>
+                  <a:srgbClr val="298D97"/>
+                </a:solidFill>
+              </a:rPr>
+              <a:t>ChangedEvent</a:t>
+            </a:r>
+            <a:r>
+              <a:rPr lang="en-US" sz="1400" dirty="0">
+                <a:solidFill>
+                  <a:srgbClr val="298D97"/>
+                </a:solidFill>
+              </a:rPr>
+              <a:t>)</a:t>
+            </a:r>
+          </a:p>
+        </p:txBody>
+      </p:sp>
+      <p:cxnSp>
+        <p:nvCxnSpPr>
+          <p:cNvPr id="38" name="Straight Arrow Connector 37">
+            <a:extLst>
+              <a:ext uri="{FF2B5EF4-FFF2-40B4-BE49-F238E27FC236}">
+                <a16:creationId xmlns:a16="http://schemas.microsoft.com/office/drawing/2014/main" id="{3687D7E1-BD96-4820-85A2-9BBFE84D9D2D}"/>
+              </a:ext>
+            </a:extLst>
+          </p:cNvPr>
+          <p:cNvCxnSpPr>
+            <a:cxnSpLocks/>
+          </p:cNvCxnSpPr>
+          <p:nvPr/>
+        </p:nvCxnSpPr>
+        <p:spPr>
+          <a:xfrm>
+            <a:off x="5933598" y="1645745"/>
+            <a:ext cx="1633531" cy="0"/>
+          </a:xfrm>
+          <a:prstGeom prst="straightConnector1">
+            <a:avLst/>
+          </a:prstGeom>
+          <a:ln w="19050">
+            <a:solidFill>
+              <a:srgbClr val="298D97"/>
+            </a:solidFill>
+            <a:tailEnd type="arrow"/>
+          </a:ln>
+        </p:spPr>
+        <p:style>
+          <a:lnRef idx="1">
+            <a:schemeClr val="accent1"/>
+          </a:lnRef>
+          <a:fillRef idx="0">
+            <a:schemeClr val="accent1"/>
+          </a:fillRef>
+          <a:effectRef idx="0">
+            <a:schemeClr val="accent1"/>
+          </a:effectRef>
+          <a:fontRef idx="minor">
+            <a:schemeClr val="tx1"/>
+          </a:fontRef>
+        </p:style>
+      </p:cxnSp>
+      <p:sp>
+        <p:nvSpPr>
+          <p:cNvPr id="39" name="Rectangle 62">
+            <a:extLst>
+              <a:ext uri="{FF2B5EF4-FFF2-40B4-BE49-F238E27FC236}">
+                <a16:creationId xmlns:a16="http://schemas.microsoft.com/office/drawing/2014/main" id="{0F25E2CA-7D87-4C1D-9313-BD9EE35D11D1}"/>
+              </a:ext>
+            </a:extLst>
+          </p:cNvPr>
+          <p:cNvSpPr/>
+          <p:nvPr/>
+        </p:nvSpPr>
+        <p:spPr>
+          <a:xfrm>
+            <a:off x="7092802" y="607284"/>
+            <a:ext cx="1093635" cy="346760"/>
+          </a:xfrm>
+          <a:prstGeom prst="rect">
+            <a:avLst/>
+          </a:prstGeom>
+          <a:solidFill>
+            <a:srgbClr val="298D97"/>
+          </a:solidFill>
+          <a:ln w="19050">
+            <a:solidFill>
+              <a:srgbClr val="298D97"/>
+            </a:solidFill>
+          </a:ln>
+          <a:effectLst/>
+        </p:spPr>
+        <p:style>
+          <a:lnRef idx="1">
+            <a:schemeClr val="accent2"/>
+          </a:lnRef>
+          <a:fillRef idx="2">
+            <a:schemeClr val="accent2"/>
+          </a:fillRef>
+          <a:effectRef idx="1">
+            <a:schemeClr val="accent2"/>
+          </a:effectRef>
+          <a:fontRef idx="minor">
+            <a:schemeClr val="dk1"/>
+          </a:fontRef>
+        </p:style>
+        <p:txBody>
+          <a:bodyPr rtlCol="0" anchor="ctr"/>
+          <a:lstStyle/>
+          <a:p>
+            <a:pPr algn="ctr"/>
+            <a:r>
+              <a:rPr lang="en-US" sz="1200" dirty="0">
+                <a:solidFill>
+                  <a:schemeClr val="bg1"/>
+                </a:solidFill>
+              </a:rPr>
+              <a:t>:</a:t>
+            </a:r>
+            <a:r>
+              <a:rPr lang="en-US" sz="1200" dirty="0" err="1">
+                <a:solidFill>
+                  <a:schemeClr val="bg1"/>
+                </a:solidFill>
+              </a:rPr>
+              <a:t>EventsCenter</a:t>
+            </a:r>
+            <a:endParaRPr lang="en-SG" sz="1200" dirty="0">
+              <a:solidFill>
+                <a:schemeClr val="bg1"/>
+              </a:solidFill>
+            </a:endParaRPr>
+          </a:p>
+        </p:txBody>
+      </p:sp>
+      <p:sp>
+        <p:nvSpPr>
+          <p:cNvPr id="40" name="TextBox 39">
+            <a:extLst>
+              <a:ext uri="{FF2B5EF4-FFF2-40B4-BE49-F238E27FC236}">
+                <a16:creationId xmlns:a16="http://schemas.microsoft.com/office/drawing/2014/main" id="{23B6CD95-A85F-4F10-8BF8-8E42980EEE58}"/>
+              </a:ext>
+            </a:extLst>
+          </p:cNvPr>
+          <p:cNvSpPr txBox="1"/>
+          <p:nvPr/>
+        </p:nvSpPr>
+        <p:spPr>
+          <a:xfrm>
+            <a:off x="8286949" y="1345880"/>
+            <a:ext cx="1899342" cy="430887"/>
+          </a:xfrm>
+          <a:prstGeom prst="rect">
+            <a:avLst/>
+          </a:prstGeom>
+          <a:noFill/>
+        </p:spPr>
+        <p:txBody>
+          <a:bodyPr wrap="square" lIns="0" tIns="0" rIns="0" bIns="0" rtlCol="0">
+            <a:spAutoFit/>
+          </a:bodyPr>
+          <a:lstStyle/>
+          <a:p>
+            <a:r>
+              <a:rPr lang="en-US" sz="1400" dirty="0" err="1">
+                <a:solidFill>
+                  <a:srgbClr val="DA7B1C"/>
+                </a:solidFill>
+              </a:rPr>
+              <a:t>handleClubBookChangedEvent</a:t>
+            </a:r>
+            <a:r>
+              <a:rPr lang="en-US" sz="1400" dirty="0">
+                <a:solidFill>
+                  <a:srgbClr val="DA7B1C"/>
+                </a:solidFill>
+              </a:rPr>
+              <a:t>()</a:t>
+            </a:r>
+          </a:p>
+        </p:txBody>
+      </p:sp>
+      <p:sp>
+        <p:nvSpPr>
+          <p:cNvPr id="41" name="Rectangle 62">
+            <a:extLst>
+              <a:ext uri="{FF2B5EF4-FFF2-40B4-BE49-F238E27FC236}">
+                <a16:creationId xmlns:a16="http://schemas.microsoft.com/office/drawing/2014/main" id="{FCB81C0E-01B8-41F6-8866-586EA3B1568A}"/>
+              </a:ext>
+            </a:extLst>
+          </p:cNvPr>
+          <p:cNvSpPr/>
+          <p:nvPr/>
+        </p:nvSpPr>
+        <p:spPr>
+          <a:xfrm>
+            <a:off x="9521706" y="605408"/>
+            <a:ext cx="1371600" cy="346760"/>
+          </a:xfrm>
+          <a:prstGeom prst="rect">
+            <a:avLst/>
+          </a:prstGeom>
+          <a:solidFill>
+            <a:srgbClr val="DA7B1C"/>
+          </a:solidFill>
+          <a:ln w="19050">
+            <a:noFill/>
+          </a:ln>
+          <a:effectLst/>
+        </p:spPr>
+        <p:style>
+          <a:lnRef idx="1">
+            <a:schemeClr val="accent2"/>
+          </a:lnRef>
+          <a:fillRef idx="2">
+            <a:schemeClr val="accent2"/>
+          </a:fillRef>
+          <a:effectRef idx="1">
+            <a:schemeClr val="accent2"/>
+          </a:effectRef>
+          <a:fontRef idx="minor">
+            <a:schemeClr val="dk1"/>
+          </a:fontRef>
+        </p:style>
+        <p:txBody>
+          <a:bodyPr rtlCol="0" anchor="ctr"/>
+          <a:lstStyle/>
+          <a:p>
+            <a:pPr algn="ctr"/>
+            <a:r>
+              <a:rPr lang="en-US" sz="1600" dirty="0">
+                <a:solidFill>
+                  <a:schemeClr val="bg1"/>
+                </a:solidFill>
+              </a:rPr>
+              <a:t>:Storage</a:t>
+            </a:r>
+            <a:endParaRPr lang="en-SG" sz="1600" dirty="0">
+              <a:solidFill>
+                <a:schemeClr val="bg1"/>
+              </a:solidFill>
+            </a:endParaRPr>
+          </a:p>
+        </p:txBody>
+      </p:sp>
+      <p:cxnSp>
+        <p:nvCxnSpPr>
+          <p:cNvPr id="42" name="Straight Connector 41">
+            <a:extLst>
+              <a:ext uri="{FF2B5EF4-FFF2-40B4-BE49-F238E27FC236}">
+                <a16:creationId xmlns:a16="http://schemas.microsoft.com/office/drawing/2014/main" id="{02BC59A1-A979-49AD-88A6-4AC7EFED96AB}"/>
               </a:ext>
             </a:extLst>
           </p:cNvPr>
@@ -4704,8 +4987,108 @@
         </p:nvCxnSpPr>
         <p:spPr>
           <a:xfrm>
-            <a:off x="5943992" y="1961202"/>
-            <a:ext cx="2568438" cy="0"/>
+            <a:off x="10207506" y="968468"/>
+            <a:ext cx="0" cy="1723059"/>
+          </a:xfrm>
+          <a:prstGeom prst="line">
+            <a:avLst/>
+          </a:prstGeom>
+          <a:ln w="19050">
+            <a:solidFill>
+              <a:srgbClr val="DA7B1C"/>
+            </a:solidFill>
+            <a:prstDash val="sysDash"/>
+          </a:ln>
+          <a:effectLst/>
+        </p:spPr>
+        <p:style>
+          <a:lnRef idx="1">
+            <a:schemeClr val="accent1"/>
+          </a:lnRef>
+          <a:fillRef idx="2">
+            <a:schemeClr val="accent1"/>
+          </a:fillRef>
+          <a:effectRef idx="1">
+            <a:schemeClr val="accent1"/>
+          </a:effectRef>
+          <a:fontRef idx="minor">
+            <a:schemeClr val="dk1"/>
+          </a:fontRef>
+        </p:style>
+      </p:cxnSp>
+      <p:sp>
+        <p:nvSpPr>
+          <p:cNvPr id="43" name="Rectangle 42">
+            <a:extLst>
+              <a:ext uri="{FF2B5EF4-FFF2-40B4-BE49-F238E27FC236}">
+                <a16:creationId xmlns:a16="http://schemas.microsoft.com/office/drawing/2014/main" id="{1E1EFE0E-C0B8-4203-A757-57CF399E4A38}"/>
+              </a:ext>
+            </a:extLst>
+          </p:cNvPr>
+          <p:cNvSpPr/>
+          <p:nvPr/>
+        </p:nvSpPr>
+        <p:spPr>
+          <a:xfrm>
+            <a:off x="10134493" y="1694968"/>
+            <a:ext cx="144016" cy="310422"/>
+          </a:xfrm>
+          <a:prstGeom prst="rect">
+            <a:avLst/>
+          </a:prstGeom>
+          <a:solidFill>
+            <a:srgbClr val="DA7B1C"/>
+          </a:solidFill>
+          <a:ln>
+            <a:noFill/>
+          </a:ln>
+          <a:effectLst/>
+        </p:spPr>
+        <p:style>
+          <a:lnRef idx="1">
+            <a:schemeClr val="accent3"/>
+          </a:lnRef>
+          <a:fillRef idx="2">
+            <a:schemeClr val="accent3"/>
+          </a:fillRef>
+          <a:effectRef idx="1">
+            <a:schemeClr val="accent3"/>
+          </a:effectRef>
+          <a:fontRef idx="minor">
+            <a:schemeClr val="dk1"/>
+          </a:fontRef>
+        </p:style>
+        <p:txBody>
+          <a:bodyPr rtlCol="0" anchor="ctr"/>
+          <a:lstStyle/>
+          <a:p>
+            <a:pPr algn="ctr"/>
+            <a:endParaRPr lang="en-SG" sz="1400">
+              <a:solidFill>
+                <a:schemeClr val="dk1"/>
+              </a:solidFill>
+            </a:endParaRPr>
+          </a:p>
+        </p:txBody>
+      </p:sp>
+      <p:cxnSp>
+        <p:nvCxnSpPr>
+          <p:cNvPr id="44" name="Straight Arrow Connector 43">
+            <a:extLst>
+              <a:ext uri="{FF2B5EF4-FFF2-40B4-BE49-F238E27FC236}">
+                <a16:creationId xmlns:a16="http://schemas.microsoft.com/office/drawing/2014/main" id="{68A654DC-FFB0-4F40-9EFF-24660452718F}"/>
+              </a:ext>
+            </a:extLst>
+          </p:cNvPr>
+          <p:cNvCxnSpPr>
+            <a:cxnSpLocks/>
+          </p:cNvCxnSpPr>
+          <p:nvPr/>
+        </p:nvCxnSpPr>
+        <p:spPr>
+          <a:xfrm>
+            <a:off x="7721798" y="1783292"/>
+            <a:ext cx="2412695" cy="0"/>
           </a:xfrm>
           <a:prstGeom prst="straightConnector1">
             <a:avLst/>
@@ -4734,20 +5117,22 @@
       </p:cxnSp>
       <p:cxnSp>
         <p:nvCxnSpPr>
-          <p:cNvPr id="32" name="Straight Arrow Connector 31">
-            <a:extLst>
-              <a:ext uri="{FF2B5EF4-FFF2-40B4-BE49-F238E27FC236}">
-                <a16:creationId xmlns:a16="http://schemas.microsoft.com/office/drawing/2014/main" id="{747C47E9-6995-4AE0-BBFC-A84391854BD8}"/>
-              </a:ext>
-            </a:extLst>
-          </p:cNvPr>
-          <p:cNvCxnSpPr/>
+          <p:cNvPr id="45" name="Straight Arrow Connector 44">
+            <a:extLst>
+              <a:ext uri="{FF2B5EF4-FFF2-40B4-BE49-F238E27FC236}">
+                <a16:creationId xmlns:a16="http://schemas.microsoft.com/office/drawing/2014/main" id="{F849D1CD-EC09-480E-AC24-4D6B75FD5D09}"/>
+              </a:ext>
+            </a:extLst>
+          </p:cNvPr>
+          <p:cNvCxnSpPr>
+            <a:cxnSpLocks/>
+          </p:cNvCxnSpPr>
           <p:nvPr/>
         </p:nvCxnSpPr>
         <p:spPr>
           <a:xfrm>
-            <a:off x="5943992" y="2094029"/>
-            <a:ext cx="2549946" cy="0"/>
+            <a:off x="7721798" y="1966484"/>
+            <a:ext cx="2362977" cy="0"/>
           </a:xfrm>
           <a:prstGeom prst="straightConnector1">
             <a:avLst/>
@@ -4776,49 +5161,110 @@
           </a:fontRef>
         </p:style>
       </p:cxnSp>
-      <p:cxnSp>
-        <p:nvCxnSpPr>
-          <p:cNvPr id="33" name="Straight Connector 32">
-            <a:extLst>
-              <a:ext uri="{FF2B5EF4-FFF2-40B4-BE49-F238E27FC236}">
-                <a16:creationId xmlns:a16="http://schemas.microsoft.com/office/drawing/2014/main" id="{580B4253-8C59-491F-A342-5EE57C7002A5}"/>
-              </a:ext>
-            </a:extLst>
-          </p:cNvPr>
-          <p:cNvCxnSpPr/>
+      <p:sp>
+        <p:nvSpPr>
+          <p:cNvPr id="46" name="Rectangle 45">
+            <a:extLst>
+              <a:ext uri="{FF2B5EF4-FFF2-40B4-BE49-F238E27FC236}">
+                <a16:creationId xmlns:a16="http://schemas.microsoft.com/office/drawing/2014/main" id="{06F673C4-CE3F-4C4E-A37E-EA2674F09476}"/>
+              </a:ext>
+            </a:extLst>
+          </p:cNvPr>
+          <p:cNvSpPr/>
           <p:nvPr/>
-        </p:nvCxnSpPr>
-        <p:spPr>
-          <a:xfrm flipH="1">
-            <a:off x="314394" y="1099672"/>
-            <a:ext cx="24" cy="1598671"/>
-          </a:xfrm>
-          <a:prstGeom prst="line">
+        </p:nvSpPr>
+        <p:spPr>
+          <a:xfrm>
+            <a:off x="10269012" y="1757801"/>
+            <a:ext cx="80498" cy="189639"/>
+          </a:xfrm>
+          <a:prstGeom prst="rect">
             <a:avLst/>
           </a:prstGeom>
-          <a:ln w="19050">
-            <a:solidFill>
-              <a:schemeClr val="tx1"/>
-            </a:solidFill>
-            <a:prstDash val="sysDash"/>
+          <a:solidFill>
+            <a:srgbClr val="DA7B1C"/>
+          </a:solidFill>
+          <a:ln>
+            <a:noFill/>
           </a:ln>
           <a:effectLst/>
         </p:spPr>
         <p:style>
           <a:lnRef idx="1">
-            <a:schemeClr val="accent1"/>
+            <a:schemeClr val="accent3"/>
           </a:lnRef>
           <a:fillRef idx="2">
-            <a:schemeClr val="accent1"/>
+            <a:schemeClr val="accent3"/>
           </a:fillRef>
           <a:effectRef idx="1">
-            <a:schemeClr val="accent1"/>
+            <a:schemeClr val="accent3"/>
           </a:effectRef>
           <a:fontRef idx="minor">
             <a:schemeClr val="dk1"/>
           </a:fontRef>
         </p:style>
-      </p:cxnSp>
+        <p:txBody>
+          <a:bodyPr rtlCol="0" anchor="ctr"/>
+          <a:lstStyle/>
+          <a:p>
+            <a:pPr algn="ctr"/>
+            <a:endParaRPr lang="en-SG" sz="1400">
+              <a:solidFill>
+                <a:schemeClr val="dk1"/>
+              </a:solidFill>
+            </a:endParaRPr>
+          </a:p>
+        </p:txBody>
+      </p:sp>
+      <p:sp>
+        <p:nvSpPr>
+          <p:cNvPr id="47" name="TextBox 46">
+            <a:extLst>
+              <a:ext uri="{FF2B5EF4-FFF2-40B4-BE49-F238E27FC236}">
+                <a16:creationId xmlns:a16="http://schemas.microsoft.com/office/drawing/2014/main" id="{24AB7F1A-981C-44BF-B4BA-09F273662BC5}"/>
+              </a:ext>
+            </a:extLst>
+          </p:cNvPr>
+          <p:cNvSpPr txBox="1"/>
+          <p:nvPr/>
+        </p:nvSpPr>
+        <p:spPr>
+          <a:xfrm>
+            <a:off x="10565217" y="1592087"/>
+            <a:ext cx="535002" cy="430887"/>
+          </a:xfrm>
+          <a:prstGeom prst="rect">
+            <a:avLst/>
+          </a:prstGeom>
+          <a:noFill/>
+        </p:spPr>
+        <p:txBody>
+          <a:bodyPr wrap="square" lIns="0" tIns="0" rIns="0" bIns="0" rtlCol="0">
+            <a:spAutoFit/>
+          </a:bodyPr>
+          <a:lstStyle/>
+          <a:p>
+            <a:r>
+              <a:rPr lang="en-US" sz="1400" dirty="0">
+                <a:solidFill>
+                  <a:srgbClr val="DA7B1C"/>
+                </a:solidFill>
+              </a:rPr>
+              <a:t>Save </a:t>
+            </a:r>
+          </a:p>
+          <a:p>
+            <a:r>
+              <a:rPr lang="en-US" sz="1400" dirty="0">
+                <a:solidFill>
+                  <a:srgbClr val="DA7B1C"/>
+                </a:solidFill>
+              </a:rPr>
+              <a:t>To File</a:t>
+            </a:r>
+          </a:p>
+        </p:txBody>
+      </p:sp>
     </p:spTree>
     <p:extLst>
       <p:ext uri="{BB962C8B-B14F-4D97-AF65-F5344CB8AC3E}">
